--- a/IMDBTop250Analysis.pptx
+++ b/IMDBTop250Analysis.pptx
@@ -4405,35 +4405,6 @@
           </a:p>
         </p:txBody>
       </p:sp>
-      <p:pic>
-        <p:nvPicPr>
-          <p:cNvPr id="3" name="Picture 2">
-            <a:extLst>
-              <a:ext uri="{FF2B5EF4-FFF2-40B4-BE49-F238E27FC236}">
-                <a16:creationId xmlns:a16="http://schemas.microsoft.com/office/drawing/2014/main" id="{D1FF5E66-F493-C0F9-643C-9B590713C6C5}"/>
-              </a:ext>
-            </a:extLst>
-          </p:cNvPr>
-          <p:cNvPicPr>
-            <a:picLocks noChangeAspect="1"/>
-          </p:cNvPicPr>
-          <p:nvPr/>
-        </p:nvPicPr>
-        <p:blipFill rotWithShape="1">
-          <a:blip r:embed="rId2"/>
-          <a:srcRect l="3796"/>
-          <a:stretch/>
-        </p:blipFill>
-        <p:spPr>
-          <a:xfrm>
-            <a:off x="635457" y="640080"/>
-            <a:ext cx="10916463" cy="3602736"/>
-          </a:xfrm>
-          <a:prstGeom prst="rect">
-            <a:avLst/>
-          </a:prstGeom>
-        </p:spPr>
-      </p:pic>
       <p:cxnSp>
         <p:nvCxnSpPr>
           <p:cNvPr id="14" name="!!Straight Connector">
@@ -4544,6 +4515,36 @@
           </a:fontRef>
         </p:style>
       </p:sp>
+      <p:pic>
+        <p:nvPicPr>
+          <p:cNvPr id="5" name="Picture 4">
+            <a:extLst>
+              <a:ext uri="{FF2B5EF4-FFF2-40B4-BE49-F238E27FC236}">
+                <a16:creationId xmlns:a16="http://schemas.microsoft.com/office/drawing/2014/main" id="{5AC64E37-6D3D-B869-2576-2C98BA8F9BF2}"/>
+              </a:ext>
+            </a:extLst>
+          </p:cNvPr>
+          <p:cNvPicPr>
+            <a:picLocks noChangeAspect="1"/>
+          </p:cNvPicPr>
+          <p:nvPr/>
+        </p:nvPicPr>
+        <p:blipFill>
+          <a:blip r:embed="rId2"/>
+          <a:stretch>
+            <a:fillRect/>
+          </a:stretch>
+        </p:blipFill>
+        <p:spPr>
+          <a:xfrm>
+            <a:off x="146957" y="424542"/>
+            <a:ext cx="11812320" cy="3668069"/>
+          </a:xfrm>
+          <a:prstGeom prst="rect">
+            <a:avLst/>
+          </a:prstGeom>
+        </p:spPr>
+      </p:pic>
     </p:spTree>
     <p:extLst>
       <p:ext uri="{BB962C8B-B14F-4D97-AF65-F5344CB8AC3E}">
@@ -5605,21 +5606,21 @@
 </file>
 
 <file path=customXml/item1.xml><?xml version="1.0" encoding="utf-8"?>
+<?mso-contentType ?>
+<FormTemplates xmlns="http://schemas.microsoft.com/sharepoint/v3/contenttype/forms">
+  <Display>DocumentLibraryForm</Display>
+  <Edit>DocumentLibraryForm</Edit>
+  <New>DocumentLibraryForm</New>
+</FormTemplates>
+</file>
+
+<file path=customXml/item2.xml><?xml version="1.0" encoding="utf-8"?>
 <p:properties xmlns:p="http://schemas.microsoft.com/office/2006/metadata/properties" xmlns:xsi="http://www.w3.org/2001/XMLSchema-instance" xmlns:pc="http://schemas.microsoft.com/office/infopath/2007/PartnerControls">
   <documentManagement>
     <Status xmlns="71af3243-3dd4-4a8d-8c0d-dd76da1f02a5">Not started</Status>
     <MediaServiceKeyPoints xmlns="71af3243-3dd4-4a8d-8c0d-dd76da1f02a5" xsi:nil="true"/>
   </documentManagement>
 </p:properties>
-</file>
-
-<file path=customXml/item2.xml><?xml version="1.0" encoding="utf-8"?>
-<?mso-contentType ?>
-<FormTemplates xmlns="http://schemas.microsoft.com/sharepoint/v3/contenttype/forms">
-  <Display>DocumentLibraryForm</Display>
-  <Edit>DocumentLibraryForm</Edit>
-  <New>DocumentLibraryForm</New>
-</FormTemplates>
 </file>
 
 <file path=customXml/item3.xml><?xml version="1.0" encoding="utf-8"?>
@@ -5844,19 +5845,19 @@
 </file>
 
 <file path=customXml/itemProps1.xml><?xml version="1.0" encoding="utf-8"?>
+<ds:datastoreItem xmlns:ds="http://schemas.openxmlformats.org/officeDocument/2006/customXml" ds:itemID="{AA3F7EDC-E5B4-4BBC-9D2A-CBE6D46C37AD}">
+  <ds:schemaRefs>
+    <ds:schemaRef ds:uri="http://schemas.microsoft.com/sharepoint/v3/contenttype/forms"/>
+  </ds:schemaRefs>
+</ds:datastoreItem>
+</file>
+
+<file path=customXml/itemProps2.xml><?xml version="1.0" encoding="utf-8"?>
 <ds:datastoreItem xmlns:ds="http://schemas.openxmlformats.org/officeDocument/2006/customXml" ds:itemID="{A03EEFF0-FB57-4CB4-8BFC-DF397689E2ED}">
   <ds:schemaRefs>
     <ds:schemaRef ds:uri="http://schemas.microsoft.com/office/2006/metadata/properties"/>
     <ds:schemaRef ds:uri="http://schemas.microsoft.com/office/infopath/2007/PartnerControls"/>
     <ds:schemaRef ds:uri="71af3243-3dd4-4a8d-8c0d-dd76da1f02a5"/>
-  </ds:schemaRefs>
-</ds:datastoreItem>
-</file>
-
-<file path=customXml/itemProps2.xml><?xml version="1.0" encoding="utf-8"?>
-<ds:datastoreItem xmlns:ds="http://schemas.openxmlformats.org/officeDocument/2006/customXml" ds:itemID="{AA3F7EDC-E5B4-4BBC-9D2A-CBE6D46C37AD}">
-  <ds:schemaRefs>
-    <ds:schemaRef ds:uri="http://schemas.microsoft.com/sharepoint/v3/contenttype/forms"/>
   </ds:schemaRefs>
 </ds:datastoreItem>
 </file>
